--- a/Instructions/Employee Presentation.pptx
+++ b/Instructions/Employee Presentation.pptx
@@ -224,7 +224,7 @@
           <a:p>
             <a:fld id="{54239350-6F46-466B-B569-428021740885}" type="datetimeFigureOut">
               <a:rPr lang="en-US" smtClean="0"/>
-              <a:t>6/28/2017</a:t>
+              <a:t>7/18/2017</a:t>
             </a:fld>
             <a:endParaRPr lang="en-US"/>
           </a:p>
@@ -638,7 +638,7 @@
           <a:p>
             <a:fld id="{7C8C1271-7528-4343-AF0A-7CDFB3BD0A04}" type="datetimeFigureOut">
               <a:rPr lang="en-US" smtClean="0"/>
-              <a:t>6/28/2017</a:t>
+              <a:t>7/18/2017</a:t>
             </a:fld>
             <a:endParaRPr lang="en-US"/>
           </a:p>
@@ -836,7 +836,7 @@
           <a:p>
             <a:fld id="{7C8C1271-7528-4343-AF0A-7CDFB3BD0A04}" type="datetimeFigureOut">
               <a:rPr lang="en-US" smtClean="0"/>
-              <a:t>6/28/2017</a:t>
+              <a:t>7/18/2017</a:t>
             </a:fld>
             <a:endParaRPr lang="en-US"/>
           </a:p>
@@ -1044,7 +1044,7 @@
           <a:p>
             <a:fld id="{7C8C1271-7528-4343-AF0A-7CDFB3BD0A04}" type="datetimeFigureOut">
               <a:rPr lang="en-US" smtClean="0"/>
-              <a:t>6/28/2017</a:t>
+              <a:t>7/18/2017</a:t>
             </a:fld>
             <a:endParaRPr lang="en-US"/>
           </a:p>
@@ -1242,7 +1242,7 @@
           <a:p>
             <a:fld id="{7C8C1271-7528-4343-AF0A-7CDFB3BD0A04}" type="datetimeFigureOut">
               <a:rPr lang="en-US" smtClean="0"/>
-              <a:t>6/28/2017</a:t>
+              <a:t>7/18/2017</a:t>
             </a:fld>
             <a:endParaRPr lang="en-US"/>
           </a:p>
@@ -1517,7 +1517,7 @@
           <a:p>
             <a:fld id="{7C8C1271-7528-4343-AF0A-7CDFB3BD0A04}" type="datetimeFigureOut">
               <a:rPr lang="en-US" smtClean="0"/>
-              <a:t>6/28/2017</a:t>
+              <a:t>7/18/2017</a:t>
             </a:fld>
             <a:endParaRPr lang="en-US"/>
           </a:p>
@@ -1782,7 +1782,7 @@
           <a:p>
             <a:fld id="{7C8C1271-7528-4343-AF0A-7CDFB3BD0A04}" type="datetimeFigureOut">
               <a:rPr lang="en-US" smtClean="0"/>
-              <a:t>6/28/2017</a:t>
+              <a:t>7/18/2017</a:t>
             </a:fld>
             <a:endParaRPr lang="en-US"/>
           </a:p>
@@ -2194,7 +2194,7 @@
           <a:p>
             <a:fld id="{7C8C1271-7528-4343-AF0A-7CDFB3BD0A04}" type="datetimeFigureOut">
               <a:rPr lang="en-US" smtClean="0"/>
-              <a:t>6/28/2017</a:t>
+              <a:t>7/18/2017</a:t>
             </a:fld>
             <a:endParaRPr lang="en-US"/>
           </a:p>
@@ -2335,7 +2335,7 @@
           <a:p>
             <a:fld id="{7C8C1271-7528-4343-AF0A-7CDFB3BD0A04}" type="datetimeFigureOut">
               <a:rPr lang="en-US" smtClean="0"/>
-              <a:t>6/28/2017</a:t>
+              <a:t>7/18/2017</a:t>
             </a:fld>
             <a:endParaRPr lang="en-US"/>
           </a:p>
@@ -2448,7 +2448,7 @@
           <a:p>
             <a:fld id="{7C8C1271-7528-4343-AF0A-7CDFB3BD0A04}" type="datetimeFigureOut">
               <a:rPr lang="en-US" smtClean="0"/>
-              <a:t>6/28/2017</a:t>
+              <a:t>7/18/2017</a:t>
             </a:fld>
             <a:endParaRPr lang="en-US"/>
           </a:p>
@@ -2759,7 +2759,7 @@
           <a:p>
             <a:fld id="{7C8C1271-7528-4343-AF0A-7CDFB3BD0A04}" type="datetimeFigureOut">
               <a:rPr lang="en-US" smtClean="0"/>
-              <a:t>6/28/2017</a:t>
+              <a:t>7/18/2017</a:t>
             </a:fld>
             <a:endParaRPr lang="en-US"/>
           </a:p>
@@ -3047,7 +3047,7 @@
           <a:p>
             <a:fld id="{7C8C1271-7528-4343-AF0A-7CDFB3BD0A04}" type="datetimeFigureOut">
               <a:rPr lang="en-US" smtClean="0"/>
-              <a:t>6/28/2017</a:t>
+              <a:t>7/18/2017</a:t>
             </a:fld>
             <a:endParaRPr lang="en-US"/>
           </a:p>
@@ -3288,7 +3288,7 @@
           <a:p>
             <a:fld id="{7C8C1271-7528-4343-AF0A-7CDFB3BD0A04}" type="datetimeFigureOut">
               <a:rPr lang="en-US" smtClean="0"/>
-              <a:t>6/28/2017</a:t>
+              <a:t>7/18/2017</a:t>
             </a:fld>
             <a:endParaRPr lang="en-US"/>
           </a:p>
@@ -3979,6 +3979,36 @@
           </a:prstGeom>
         </p:spPr>
       </p:pic>
+      <p:pic>
+        <p:nvPicPr>
+          <p:cNvPr id="2" name="Picture 1">
+            <a:extLst>
+              <a:ext uri="{FF2B5EF4-FFF2-40B4-BE49-F238E27FC236}">
+                <a16:creationId xmlns:a16="http://schemas.microsoft.com/office/drawing/2014/main" id="{1CBA8ED1-7693-4F7D-83EC-8E30BA134BEC}"/>
+              </a:ext>
+            </a:extLst>
+          </p:cNvPr>
+          <p:cNvPicPr>
+            <a:picLocks noChangeAspect="1"/>
+          </p:cNvPicPr>
+          <p:nvPr/>
+        </p:nvPicPr>
+        <p:blipFill>
+          <a:blip r:embed="rId4"/>
+          <a:stretch>
+            <a:fillRect/>
+          </a:stretch>
+        </p:blipFill>
+        <p:spPr>
+          <a:xfrm>
+            <a:off x="0" y="-50285"/>
+            <a:ext cx="12192000" cy="6604000"/>
+          </a:xfrm>
+          <a:prstGeom prst="rect">
+            <a:avLst/>
+          </a:prstGeom>
+        </p:spPr>
+      </p:pic>
       <p:sp>
         <p:nvSpPr>
           <p:cNvPr id="10" name="TextBox 9">
@@ -3993,8 +4023,8 @@
         </p:nvSpPr>
         <p:spPr>
           <a:xfrm>
-            <a:off x="622300" y="572130"/>
-            <a:ext cx="4294765" cy="461665"/>
+            <a:off x="3996708" y="454194"/>
+            <a:ext cx="4198584" cy="461665"/>
           </a:xfrm>
           <a:prstGeom prst="rect">
             <a:avLst/>
@@ -4007,7 +4037,7 @@
           </a:solidFill>
         </p:spPr>
         <p:txBody>
-          <a:bodyPr wrap="none" rtlCol="0">
+          <a:bodyPr wrap="square" rtlCol="0">
             <a:spAutoFit/>
           </a:bodyPr>
           <a:lstStyle/>
@@ -4040,7 +4070,7 @@
         </p:nvSpPr>
         <p:spPr>
           <a:xfrm>
-            <a:off x="6292694" y="878870"/>
+            <a:off x="3948617" y="1231638"/>
             <a:ext cx="4246675" cy="1569660"/>
           </a:xfrm>
           <a:prstGeom prst="rect">
@@ -4159,8 +4189,8 @@
         </p:nvSpPr>
         <p:spPr>
           <a:xfrm>
-            <a:off x="6679555" y="2836217"/>
-            <a:ext cx="3429646" cy="830997"/>
+            <a:off x="3948617" y="3319091"/>
+            <a:ext cx="4246674" cy="830997"/>
           </a:xfrm>
           <a:prstGeom prst="rect">
             <a:avLst/>
@@ -4214,67 +4244,58 @@
           </a:p>
         </p:txBody>
       </p:sp>
-      <p:sp>
-        <p:nvSpPr>
-          <p:cNvPr id="15" name="Rectangle: Rounded Corners 14">
-            <a:extLst>
-              <a:ext uri="{FF2B5EF4-FFF2-40B4-BE49-F238E27FC236}">
-                <a16:creationId xmlns:a16="http://schemas.microsoft.com/office/drawing/2014/main" id="{417B35CD-1BC3-4A2E-A7D3-13B64F798B3B}"/>
-              </a:ext>
-            </a:extLst>
-          </p:cNvPr>
-          <p:cNvSpPr/>
-          <p:nvPr/>
-        </p:nvSpPr>
-        <p:spPr>
-          <a:xfrm>
-            <a:off x="2550253" y="2222514"/>
-            <a:ext cx="3596106" cy="1938425"/>
-          </a:xfrm>
-          <a:prstGeom prst="roundRect">
-            <a:avLst/>
-          </a:prstGeom>
-          <a:noFill/>
+      <p:cxnSp>
+        <p:nvCxnSpPr>
+          <p:cNvPr id="13" name="Straight Arrow Connector 12">
+            <a:extLst>
+              <a:ext uri="{FF2B5EF4-FFF2-40B4-BE49-F238E27FC236}">
+                <a16:creationId xmlns:a16="http://schemas.microsoft.com/office/drawing/2014/main" id="{045B5820-54BF-4543-8E33-D8590FF5E954}"/>
+              </a:ext>
+            </a:extLst>
+          </p:cNvPr>
+          <p:cNvCxnSpPr>
+            <a:cxnSpLocks/>
+          </p:cNvCxnSpPr>
+          <p:nvPr/>
+        </p:nvCxnSpPr>
+        <p:spPr>
+          <a:xfrm flipV="1">
+            <a:off x="8422547" y="1392572"/>
+            <a:ext cx="2502456" cy="2342017"/>
+          </a:xfrm>
+          <a:prstGeom prst="straightConnector1">
+            <a:avLst/>
+          </a:prstGeom>
           <a:ln w="76200">
             <a:solidFill>
-              <a:schemeClr val="accent6">
-                <a:lumMod val="60000"/>
-                <a:lumOff val="40000"/>
+              <a:schemeClr val="tx2">
+                <a:lumMod val="75000"/>
               </a:schemeClr>
             </a:solidFill>
+            <a:tailEnd type="triangle"/>
           </a:ln>
         </p:spPr>
         <p:style>
-          <a:lnRef idx="2">
-            <a:schemeClr val="accent1">
-              <a:shade val="50000"/>
-            </a:schemeClr>
+          <a:lnRef idx="1">
+            <a:schemeClr val="accent1"/>
           </a:lnRef>
-          <a:fillRef idx="1">
+          <a:fillRef idx="0">
             <a:schemeClr val="accent1"/>
           </a:fillRef>
           <a:effectRef idx="0">
             <a:schemeClr val="accent1"/>
           </a:effectRef>
           <a:fontRef idx="minor">
-            <a:schemeClr val="lt1"/>
+            <a:schemeClr val="tx1"/>
           </a:fontRef>
         </p:style>
-        <p:txBody>
-          <a:bodyPr rtlCol="0" anchor="ctr"/>
-          <a:lstStyle/>
-          <a:p>
-            <a:pPr algn="ctr"/>
-            <a:endParaRPr lang="en-US"/>
-          </a:p>
-        </p:txBody>
-      </p:sp>
+      </p:cxnSp>
       <p:cxnSp>
         <p:nvCxnSpPr>
-          <p:cNvPr id="13" name="Straight Arrow Connector 12">
-            <a:extLst>
-              <a:ext uri="{FF2B5EF4-FFF2-40B4-BE49-F238E27FC236}">
-                <a16:creationId xmlns:a16="http://schemas.microsoft.com/office/drawing/2014/main" id="{045B5820-54BF-4543-8E33-D8590FF5E954}"/>
+          <p:cNvPr id="16" name="Straight Arrow Connector 15">
+            <a:extLst>
+              <a:ext uri="{FF2B5EF4-FFF2-40B4-BE49-F238E27FC236}">
+                <a16:creationId xmlns:a16="http://schemas.microsoft.com/office/drawing/2014/main" id="{6AB428BE-D335-48AA-B694-9B0CE8EEA9F8}"/>
               </a:ext>
             </a:extLst>
           </p:cNvPr>
@@ -4284,9 +4305,9 @@
           <p:nvPr/>
         </p:nvCxnSpPr>
         <p:spPr>
-          <a:xfrm flipH="1">
-            <a:off x="3892493" y="3251715"/>
-            <a:ext cx="2518119" cy="321995"/>
+          <a:xfrm flipH="1" flipV="1">
+            <a:off x="2947302" y="1467546"/>
+            <a:ext cx="836133" cy="548922"/>
           </a:xfrm>
           <a:prstGeom prst="straightConnector1">
             <a:avLst/>
@@ -4416,116 +4437,36 @@
           </a:prstGeom>
         </p:spPr>
       </p:pic>
-      <p:sp>
-        <p:nvSpPr>
-          <p:cNvPr id="10" name="Rectangle: Rounded Corners 9">
-            <a:extLst>
-              <a:ext uri="{FF2B5EF4-FFF2-40B4-BE49-F238E27FC236}">
-                <a16:creationId xmlns:a16="http://schemas.microsoft.com/office/drawing/2014/main" id="{9A5A5A56-B3EA-45E4-BE22-1D89553BE796}"/>
-              </a:ext>
-            </a:extLst>
-          </p:cNvPr>
-          <p:cNvSpPr/>
-          <p:nvPr/>
-        </p:nvSpPr>
-        <p:spPr>
-          <a:xfrm>
-            <a:off x="8580423" y="2270829"/>
-            <a:ext cx="548502" cy="609600"/>
-          </a:xfrm>
-          <a:prstGeom prst="roundRect">
-            <a:avLst/>
-          </a:prstGeom>
-          <a:noFill/>
-          <a:ln w="76200">
-            <a:solidFill>
-              <a:schemeClr val="accent6">
-                <a:lumMod val="60000"/>
-                <a:lumOff val="40000"/>
-              </a:schemeClr>
-            </a:solidFill>
-          </a:ln>
-        </p:spPr>
-        <p:style>
-          <a:lnRef idx="2">
-            <a:schemeClr val="accent1">
-              <a:shade val="50000"/>
-            </a:schemeClr>
-          </a:lnRef>
-          <a:fillRef idx="1">
-            <a:schemeClr val="accent1"/>
-          </a:fillRef>
-          <a:effectRef idx="0">
-            <a:schemeClr val="accent1"/>
-          </a:effectRef>
-          <a:fontRef idx="minor">
-            <a:schemeClr val="lt1"/>
-          </a:fontRef>
-        </p:style>
-        <p:txBody>
-          <a:bodyPr rtlCol="0" anchor="ctr"/>
-          <a:lstStyle/>
-          <a:p>
-            <a:pPr algn="ctr"/>
-            <a:endParaRPr lang="en-US"/>
-          </a:p>
-        </p:txBody>
-      </p:sp>
-      <p:sp>
-        <p:nvSpPr>
-          <p:cNvPr id="11" name="Rectangle: Rounded Corners 10">
-            <a:extLst>
-              <a:ext uri="{FF2B5EF4-FFF2-40B4-BE49-F238E27FC236}">
-                <a16:creationId xmlns:a16="http://schemas.microsoft.com/office/drawing/2014/main" id="{7F1FDD8F-B784-4D2D-9E01-84F5B1780173}"/>
-              </a:ext>
-            </a:extLst>
-          </p:cNvPr>
-          <p:cNvSpPr/>
-          <p:nvPr/>
-        </p:nvSpPr>
-        <p:spPr>
-          <a:xfrm>
-            <a:off x="2593131" y="2880429"/>
-            <a:ext cx="3480498" cy="609600"/>
-          </a:xfrm>
-          <a:prstGeom prst="roundRect">
-            <a:avLst/>
-          </a:prstGeom>
-          <a:noFill/>
-          <a:ln w="76200">
-            <a:solidFill>
-              <a:schemeClr val="accent6">
-                <a:lumMod val="60000"/>
-                <a:lumOff val="40000"/>
-              </a:schemeClr>
-            </a:solidFill>
-          </a:ln>
-        </p:spPr>
-        <p:style>
-          <a:lnRef idx="2">
-            <a:schemeClr val="accent1">
-              <a:shade val="50000"/>
-            </a:schemeClr>
-          </a:lnRef>
-          <a:fillRef idx="1">
-            <a:schemeClr val="accent1"/>
-          </a:fillRef>
-          <a:effectRef idx="0">
-            <a:schemeClr val="accent1"/>
-          </a:effectRef>
-          <a:fontRef idx="minor">
-            <a:schemeClr val="lt1"/>
-          </a:fontRef>
-        </p:style>
-        <p:txBody>
-          <a:bodyPr rtlCol="0" anchor="ctr"/>
-          <a:lstStyle/>
-          <a:p>
-            <a:pPr algn="ctr"/>
-            <a:endParaRPr lang="en-US"/>
-          </a:p>
-        </p:txBody>
-      </p:sp>
+      <p:pic>
+        <p:nvPicPr>
+          <p:cNvPr id="2" name="Picture 1">
+            <a:extLst>
+              <a:ext uri="{FF2B5EF4-FFF2-40B4-BE49-F238E27FC236}">
+                <a16:creationId xmlns:a16="http://schemas.microsoft.com/office/drawing/2014/main" id="{94D3F0F2-C4CD-46D8-BADB-AF83ADD89D68}"/>
+              </a:ext>
+            </a:extLst>
+          </p:cNvPr>
+          <p:cNvPicPr>
+            <a:picLocks noChangeAspect="1"/>
+          </p:cNvPicPr>
+          <p:nvPr/>
+        </p:nvPicPr>
+        <p:blipFill>
+          <a:blip r:embed="rId4"/>
+          <a:stretch>
+            <a:fillRect/>
+          </a:stretch>
+        </p:blipFill>
+        <p:spPr>
+          <a:xfrm>
+            <a:off x="0" y="0"/>
+            <a:ext cx="12192000" cy="6604000"/>
+          </a:xfrm>
+          <a:prstGeom prst="rect">
+            <a:avLst/>
+          </a:prstGeom>
+        </p:spPr>
+      </p:pic>
       <p:sp>
         <p:nvSpPr>
           <p:cNvPr id="12" name="TextBox 11">
@@ -4540,8 +4481,8 @@
         </p:nvSpPr>
         <p:spPr>
           <a:xfrm>
-            <a:off x="2209800" y="757674"/>
-            <a:ext cx="4504759" cy="461665"/>
+            <a:off x="3872053" y="500245"/>
+            <a:ext cx="4709885" cy="461665"/>
           </a:xfrm>
           <a:prstGeom prst="rect">
             <a:avLst/>
@@ -4554,7 +4495,7 @@
           </a:solidFill>
         </p:spPr>
         <p:txBody>
-          <a:bodyPr wrap="none" rtlCol="0">
+          <a:bodyPr wrap="square" rtlCol="0">
             <a:spAutoFit/>
           </a:bodyPr>
           <a:lstStyle/>
@@ -4587,8 +4528,8 @@
         </p:nvSpPr>
         <p:spPr>
           <a:xfrm>
-            <a:off x="8057903" y="3837037"/>
-            <a:ext cx="2497150" cy="830997"/>
+            <a:off x="3872052" y="1413301"/>
+            <a:ext cx="4709886" cy="461665"/>
           </a:xfrm>
           <a:prstGeom prst="rect">
             <a:avLst/>
@@ -4634,8 +4575,8 @@
         </p:nvSpPr>
         <p:spPr>
           <a:xfrm>
-            <a:off x="4912342" y="5299055"/>
-            <a:ext cx="4695516" cy="461665"/>
+            <a:off x="3872052" y="4252554"/>
+            <a:ext cx="4709886" cy="461665"/>
           </a:xfrm>
           <a:prstGeom prst="rect">
             <a:avLst/>
@@ -4648,7 +4589,7 @@
           </a:solidFill>
         </p:spPr>
         <p:txBody>
-          <a:bodyPr wrap="none" rtlCol="0">
+          <a:bodyPr wrap="square" rtlCol="0">
             <a:spAutoFit/>
           </a:bodyPr>
           <a:lstStyle/>
@@ -4704,9 +4645,9 @@
           <p:nvPr/>
         </p:nvCxnSpPr>
         <p:spPr>
-          <a:xfrm flipH="1" flipV="1">
-            <a:off x="6216244" y="3244942"/>
-            <a:ext cx="1669407" cy="1007593"/>
+          <a:xfrm flipH="1">
+            <a:off x="3322040" y="1681991"/>
+            <a:ext cx="422977" cy="0"/>
           </a:xfrm>
           <a:prstGeom prst="straightConnector1">
             <a:avLst/>
@@ -4750,55 +4691,9 @@
           <p:nvPr/>
         </p:nvCxnSpPr>
         <p:spPr>
-          <a:xfrm flipH="1" flipV="1">
-            <a:off x="2817367" y="4437220"/>
-            <a:ext cx="1737855" cy="990457"/>
-          </a:xfrm>
-          <a:prstGeom prst="straightConnector1">
-            <a:avLst/>
-          </a:prstGeom>
-          <a:ln w="76200">
-            <a:solidFill>
-              <a:schemeClr val="tx2">
-                <a:lumMod val="75000"/>
-              </a:schemeClr>
-            </a:solidFill>
-            <a:tailEnd type="triangle"/>
-          </a:ln>
-        </p:spPr>
-        <p:style>
-          <a:lnRef idx="1">
-            <a:schemeClr val="accent1"/>
-          </a:lnRef>
-          <a:fillRef idx="0">
-            <a:schemeClr val="accent1"/>
-          </a:fillRef>
-          <a:effectRef idx="0">
-            <a:schemeClr val="accent1"/>
-          </a:effectRef>
-          <a:fontRef idx="minor">
-            <a:schemeClr val="tx1"/>
-          </a:fontRef>
-        </p:style>
-      </p:cxnSp>
-      <p:cxnSp>
-        <p:nvCxnSpPr>
-          <p:cNvPr id="21" name="Straight Arrow Connector 20">
-            <a:extLst>
-              <a:ext uri="{FF2B5EF4-FFF2-40B4-BE49-F238E27FC236}">
-                <a16:creationId xmlns:a16="http://schemas.microsoft.com/office/drawing/2014/main" id="{BDBF6D57-C56D-4ABE-BE81-61A8796CCF49}"/>
-              </a:ext>
-            </a:extLst>
-          </p:cNvPr>
-          <p:cNvCxnSpPr>
-            <a:cxnSpLocks/>
-          </p:cNvCxnSpPr>
-          <p:nvPr/>
-        </p:nvCxnSpPr>
-        <p:spPr>
-          <a:xfrm flipV="1">
-            <a:off x="8854674" y="3039698"/>
-            <a:ext cx="0" cy="650835"/>
+          <a:xfrm flipH="1">
+            <a:off x="1233183" y="4630723"/>
+            <a:ext cx="2432806" cy="1623268"/>
           </a:xfrm>
           <a:prstGeom prst="straightConnector1">
             <a:avLst/>
@@ -4929,6 +4824,36 @@
           </a:prstGeom>
         </p:spPr>
       </p:pic>
+      <p:pic>
+        <p:nvPicPr>
+          <p:cNvPr id="2" name="Picture 1">
+            <a:extLst>
+              <a:ext uri="{FF2B5EF4-FFF2-40B4-BE49-F238E27FC236}">
+                <a16:creationId xmlns:a16="http://schemas.microsoft.com/office/drawing/2014/main" id="{069774DB-40F5-43D4-A121-A1AFD0EA902D}"/>
+              </a:ext>
+            </a:extLst>
+          </p:cNvPr>
+          <p:cNvPicPr>
+            <a:picLocks noChangeAspect="1"/>
+          </p:cNvPicPr>
+          <p:nvPr/>
+        </p:nvPicPr>
+        <p:blipFill>
+          <a:blip r:embed="rId4"/>
+          <a:stretch>
+            <a:fillRect/>
+          </a:stretch>
+        </p:blipFill>
+        <p:spPr>
+          <a:xfrm>
+            <a:off x="0" y="127000"/>
+            <a:ext cx="12192000" cy="6604000"/>
+          </a:xfrm>
+          <a:prstGeom prst="rect">
+            <a:avLst/>
+          </a:prstGeom>
+        </p:spPr>
+      </p:pic>
       <p:sp>
         <p:nvSpPr>
           <p:cNvPr id="10" name="TextBox 9">
@@ -4943,7 +4868,7 @@
         </p:nvSpPr>
         <p:spPr>
           <a:xfrm>
-            <a:off x="4088235" y="1458813"/>
+            <a:off x="4159249" y="2643723"/>
             <a:ext cx="3683000" cy="830997"/>
           </a:xfrm>
           <a:prstGeom prst="rect">
@@ -5012,8 +4937,8 @@
         </p:nvSpPr>
         <p:spPr>
           <a:xfrm>
-            <a:off x="4845050" y="4900434"/>
-            <a:ext cx="2311399" cy="1200329"/>
+            <a:off x="4159249" y="4222734"/>
+            <a:ext cx="3683000" cy="830997"/>
           </a:xfrm>
           <a:prstGeom prst="rect">
             <a:avLst/>
@@ -5076,13 +5001,15 @@
               </a:ext>
             </a:extLst>
           </p:cNvPr>
-          <p:cNvCxnSpPr/>
+          <p:cNvCxnSpPr>
+            <a:cxnSpLocks/>
+          </p:cNvCxnSpPr>
           <p:nvPr/>
         </p:nvCxnSpPr>
         <p:spPr>
-          <a:xfrm flipH="1">
-            <a:off x="3155950" y="2629853"/>
-            <a:ext cx="1689100" cy="1168400"/>
+          <a:xfrm>
+            <a:off x="7927596" y="3059221"/>
+            <a:ext cx="2457975" cy="3165410"/>
           </a:xfrm>
           <a:prstGeom prst="straightConnector1">
             <a:avLst/>
@@ -5126,9 +5053,9 @@
           <p:nvPr/>
         </p:nvCxnSpPr>
         <p:spPr>
-          <a:xfrm flipH="1" flipV="1">
-            <a:off x="2843868" y="4379054"/>
-            <a:ext cx="1694576" cy="796953"/>
+          <a:xfrm flipH="1">
+            <a:off x="1451295" y="4638232"/>
+            <a:ext cx="2558643" cy="1780652"/>
           </a:xfrm>
           <a:prstGeom prst="straightConnector1">
             <a:avLst/>
@@ -5157,61 +5084,6 @@
           </a:fontRef>
         </p:style>
       </p:cxnSp>
-      <p:sp>
-        <p:nvSpPr>
-          <p:cNvPr id="18" name="Rectangle: Rounded Corners 17">
-            <a:extLst>
-              <a:ext uri="{FF2B5EF4-FFF2-40B4-BE49-F238E27FC236}">
-                <a16:creationId xmlns:a16="http://schemas.microsoft.com/office/drawing/2014/main" id="{6EFDC5E1-9F35-4129-9B96-49E5D3DBFDDD}"/>
-              </a:ext>
-            </a:extLst>
-          </p:cNvPr>
-          <p:cNvSpPr/>
-          <p:nvPr/>
-        </p:nvSpPr>
-        <p:spPr>
-          <a:xfrm>
-            <a:off x="2592431" y="3707934"/>
-            <a:ext cx="628941" cy="477192"/>
-          </a:xfrm>
-          <a:prstGeom prst="roundRect">
-            <a:avLst/>
-          </a:prstGeom>
-          <a:noFill/>
-          <a:ln w="76200">
-            <a:solidFill>
-              <a:schemeClr val="accent6">
-                <a:lumMod val="60000"/>
-                <a:lumOff val="40000"/>
-              </a:schemeClr>
-            </a:solidFill>
-          </a:ln>
-        </p:spPr>
-        <p:style>
-          <a:lnRef idx="2">
-            <a:schemeClr val="accent1">
-              <a:shade val="50000"/>
-            </a:schemeClr>
-          </a:lnRef>
-          <a:fillRef idx="1">
-            <a:schemeClr val="accent1"/>
-          </a:fillRef>
-          <a:effectRef idx="0">
-            <a:schemeClr val="accent1"/>
-          </a:effectRef>
-          <a:fontRef idx="minor">
-            <a:schemeClr val="lt1"/>
-          </a:fontRef>
-        </p:style>
-        <p:txBody>
-          <a:bodyPr rtlCol="0" anchor="ctr"/>
-          <a:lstStyle/>
-          <a:p>
-            <a:pPr algn="ctr"/>
-            <a:endParaRPr lang="en-US"/>
-          </a:p>
-        </p:txBody>
-      </p:sp>
     </p:spTree>
     <p:extLst>
       <p:ext uri="{BB962C8B-B14F-4D97-AF65-F5344CB8AC3E}">
@@ -5314,6 +5186,36 @@
           </a:prstGeom>
         </p:spPr>
       </p:pic>
+      <p:pic>
+        <p:nvPicPr>
+          <p:cNvPr id="2" name="Picture 1">
+            <a:extLst>
+              <a:ext uri="{FF2B5EF4-FFF2-40B4-BE49-F238E27FC236}">
+                <a16:creationId xmlns:a16="http://schemas.microsoft.com/office/drawing/2014/main" id="{C39A4C0C-7194-4EDB-8453-403A69D24F00}"/>
+              </a:ext>
+            </a:extLst>
+          </p:cNvPr>
+          <p:cNvPicPr>
+            <a:picLocks noChangeAspect="1"/>
+          </p:cNvPicPr>
+          <p:nvPr/>
+        </p:nvPicPr>
+        <p:blipFill>
+          <a:blip r:embed="rId4"/>
+          <a:stretch>
+            <a:fillRect/>
+          </a:stretch>
+        </p:blipFill>
+        <p:spPr>
+          <a:xfrm>
+            <a:off x="0" y="25915"/>
+            <a:ext cx="12192000" cy="6604000"/>
+          </a:xfrm>
+          <a:prstGeom prst="rect">
+            <a:avLst/>
+          </a:prstGeom>
+        </p:spPr>
+      </p:pic>
       <p:sp>
         <p:nvSpPr>
           <p:cNvPr id="14" name="TextBox 13">
@@ -5328,8 +5230,8 @@
         </p:nvSpPr>
         <p:spPr>
           <a:xfrm>
-            <a:off x="5285243" y="797142"/>
-            <a:ext cx="5547857" cy="1200329"/>
+            <a:off x="4639290" y="656601"/>
+            <a:ext cx="3917481" cy="1569660"/>
           </a:xfrm>
           <a:prstGeom prst="rect">
             <a:avLst/>
@@ -5397,8 +5299,27 @@
                 </a:solidFill>
                 <a:latin typeface="Montserrat" panose="00000500000000000000" pitchFamily="2" charset="0"/>
               </a:rPr>
-              <a:t>Other  Sub-Project</a:t>
-            </a:r>
+              <a:t>Other  </a:t>
+            </a:r>
+            <a:r>
+              <a:rPr lang="en-US" sz="2400" dirty="0">
+                <a:solidFill>
+                  <a:schemeClr val="tx2">
+                    <a:lumMod val="75000"/>
+                  </a:schemeClr>
+                </a:solidFill>
+                <a:latin typeface="Montserrat" panose="00000500000000000000" pitchFamily="2" charset="0"/>
+              </a:rPr>
+              <a:t>option</a:t>
+            </a:r>
+            <a:endParaRPr lang="en-US" sz="2400" b="1" dirty="0">
+              <a:solidFill>
+                <a:schemeClr val="tx2">
+                  <a:lumMod val="75000"/>
+                </a:schemeClr>
+              </a:solidFill>
+              <a:latin typeface="Montserrat" panose="00000500000000000000" pitchFamily="2" charset="0"/>
+            </a:endParaRPr>
           </a:p>
         </p:txBody>
       </p:sp>
@@ -5417,9 +5338,9 @@
           <p:nvPr/>
         </p:nvCxnSpPr>
         <p:spPr>
-          <a:xfrm flipH="1">
-            <a:off x="3768739" y="3327915"/>
-            <a:ext cx="2690784" cy="277376"/>
+          <a:xfrm flipV="1">
+            <a:off x="8690994" y="1468073"/>
+            <a:ext cx="2230361" cy="2173704"/>
           </a:xfrm>
           <a:prstGeom prst="straightConnector1">
             <a:avLst/>
@@ -5462,8 +5383,8 @@
         </p:nvSpPr>
         <p:spPr>
           <a:xfrm>
-            <a:off x="6849951" y="2912417"/>
-            <a:ext cx="3429646" cy="830997"/>
+            <a:off x="4639290" y="3226279"/>
+            <a:ext cx="3917482" cy="830997"/>
           </a:xfrm>
           <a:prstGeom prst="rect">
             <a:avLst/>
@@ -5532,9 +5453,9 @@
           <p:nvPr/>
         </p:nvCxnSpPr>
         <p:spPr>
-          <a:xfrm flipH="1">
-            <a:off x="3233140" y="1484851"/>
-            <a:ext cx="1791866" cy="1349789"/>
+          <a:xfrm flipH="1" flipV="1">
+            <a:off x="1644242" y="822121"/>
+            <a:ext cx="2793534" cy="434644"/>
           </a:xfrm>
           <a:prstGeom prst="straightConnector1">
             <a:avLst/>
@@ -5664,6 +5585,36 @@
           </a:prstGeom>
         </p:spPr>
       </p:pic>
+      <p:pic>
+        <p:nvPicPr>
+          <p:cNvPr id="2" name="Picture 1">
+            <a:extLst>
+              <a:ext uri="{FF2B5EF4-FFF2-40B4-BE49-F238E27FC236}">
+                <a16:creationId xmlns:a16="http://schemas.microsoft.com/office/drawing/2014/main" id="{B96A5DE5-E2D8-4341-BB48-C5A42ED04E2B}"/>
+              </a:ext>
+            </a:extLst>
+          </p:cNvPr>
+          <p:cNvPicPr>
+            <a:picLocks noChangeAspect="1"/>
+          </p:cNvPicPr>
+          <p:nvPr/>
+        </p:nvPicPr>
+        <p:blipFill>
+          <a:blip r:embed="rId4"/>
+          <a:stretch>
+            <a:fillRect/>
+          </a:stretch>
+        </p:blipFill>
+        <p:spPr>
+          <a:xfrm>
+            <a:off x="-2912" y="0"/>
+            <a:ext cx="12192000" cy="6604000"/>
+          </a:xfrm>
+          <a:prstGeom prst="rect">
+            <a:avLst/>
+          </a:prstGeom>
+        </p:spPr>
+      </p:pic>
       <p:sp>
         <p:nvSpPr>
           <p:cNvPr id="6" name="TextBox 5">
@@ -5678,8 +5629,8 @@
         </p:nvSpPr>
         <p:spPr>
           <a:xfrm>
-            <a:off x="1663700" y="876300"/>
-            <a:ext cx="4968027" cy="461665"/>
+            <a:off x="3419683" y="2616785"/>
+            <a:ext cx="2037356" cy="1200329"/>
           </a:xfrm>
           <a:prstGeom prst="rect">
             <a:avLst/>
@@ -5695,7 +5646,7 @@
           </a:ln>
         </p:spPr>
         <p:txBody>
-          <a:bodyPr wrap="none" rtlCol="0">
+          <a:bodyPr wrap="square" rtlCol="0">
             <a:spAutoFit/>
           </a:bodyPr>
           <a:lstStyle/>
@@ -5728,8 +5679,8 @@
         </p:nvSpPr>
         <p:spPr>
           <a:xfrm>
-            <a:off x="1447800" y="3263900"/>
-            <a:ext cx="3361889" cy="1569660"/>
+            <a:off x="5943020" y="2616785"/>
+            <a:ext cx="5153529" cy="1569660"/>
           </a:xfrm>
           <a:prstGeom prst="rect">
             <a:avLst/>
@@ -5759,7 +5710,7 @@
                 </a:solidFill>
                 <a:latin typeface="Montserrat" panose="00000500000000000000" pitchFamily="2" charset="0"/>
               </a:rPr>
-              <a:t>Notice that it gives you a place to describe this </a:t>
+              <a:t>Adding a </a:t>
             </a:r>
             <a:r>
               <a:rPr lang="en-US" sz="2400" b="1" dirty="0">
@@ -5803,7 +5754,7 @@
                 </a:solidFill>
                 <a:latin typeface="Montserrat" panose="00000500000000000000" pitchFamily="2" charset="0"/>
               </a:rPr>
-              <a:t> here</a:t>
+              <a:t> to your time card automatically provides you with a place to describe what you did</a:t>
             </a:r>
           </a:p>
         </p:txBody>
@@ -5823,9 +5774,9 @@
           <p:nvPr/>
         </p:nvCxnSpPr>
         <p:spPr>
-          <a:xfrm>
-            <a:off x="3951447" y="1432268"/>
-            <a:ext cx="2172986" cy="1419989"/>
+          <a:xfrm flipH="1" flipV="1">
+            <a:off x="2030136" y="2424418"/>
+            <a:ext cx="1140903" cy="792532"/>
           </a:xfrm>
           <a:prstGeom prst="straightConnector1">
             <a:avLst/>
@@ -5870,8 +5821,8 @@
         </p:nvCxnSpPr>
         <p:spPr>
           <a:xfrm flipV="1">
-            <a:off x="4971000" y="4048730"/>
-            <a:ext cx="1564024" cy="486562"/>
+            <a:off x="6837029" y="1426129"/>
+            <a:ext cx="0" cy="914399"/>
           </a:xfrm>
           <a:prstGeom prst="straightConnector1">
             <a:avLst/>
@@ -5993,7 +5944,7 @@
         </p:blipFill>
         <p:spPr>
           <a:xfrm>
-            <a:off x="0" y="254000"/>
+            <a:off x="0" y="0"/>
             <a:ext cx="12192000" cy="6604000"/>
           </a:xfrm>
           <a:prstGeom prst="rect">
@@ -6037,6 +5988,36 @@
           </a:prstGeom>
         </p:spPr>
       </p:pic>
+      <p:pic>
+        <p:nvPicPr>
+          <p:cNvPr id="2" name="Picture 1">
+            <a:extLst>
+              <a:ext uri="{FF2B5EF4-FFF2-40B4-BE49-F238E27FC236}">
+                <a16:creationId xmlns:a16="http://schemas.microsoft.com/office/drawing/2014/main" id="{88009615-327E-430A-B190-456AEE73457F}"/>
+              </a:ext>
+            </a:extLst>
+          </p:cNvPr>
+          <p:cNvPicPr>
+            <a:picLocks noChangeAspect="1"/>
+          </p:cNvPicPr>
+          <p:nvPr/>
+        </p:nvPicPr>
+        <p:blipFill>
+          <a:blip r:embed="rId4"/>
+          <a:stretch>
+            <a:fillRect/>
+          </a:stretch>
+        </p:blipFill>
+        <p:spPr>
+          <a:xfrm>
+            <a:off x="0" y="0"/>
+            <a:ext cx="12192000" cy="6604000"/>
+          </a:xfrm>
+          <a:prstGeom prst="rect">
+            <a:avLst/>
+          </a:prstGeom>
+        </p:spPr>
+      </p:pic>
       <p:sp>
         <p:nvSpPr>
           <p:cNvPr id="6" name="TextBox 5">
@@ -6051,7 +6032,7 @@
         </p:nvSpPr>
         <p:spPr>
           <a:xfrm>
-            <a:off x="635000" y="693420"/>
+            <a:off x="4136809" y="345440"/>
             <a:ext cx="5422900" cy="1938992"/>
           </a:xfrm>
           <a:prstGeom prst="rect">
@@ -6187,7 +6168,7 @@
         </p:nvSpPr>
         <p:spPr>
           <a:xfrm>
-            <a:off x="4136809" y="5299055"/>
+            <a:off x="8272581" y="5068222"/>
             <a:ext cx="1959191" cy="461665"/>
           </a:xfrm>
           <a:prstGeom prst="rect">
@@ -6246,9 +6227,9 @@
           <p:nvPr/>
         </p:nvCxnSpPr>
         <p:spPr>
-          <a:xfrm flipV="1">
-            <a:off x="6289705" y="4640367"/>
-            <a:ext cx="444382" cy="538384"/>
+          <a:xfrm>
+            <a:off x="10318459" y="5529887"/>
+            <a:ext cx="545284" cy="543742"/>
           </a:xfrm>
           <a:prstGeom prst="straightConnector1">
             <a:avLst/>
@@ -6291,7 +6272,7 @@
         </p:nvSpPr>
         <p:spPr>
           <a:xfrm>
-            <a:off x="6511896" y="693420"/>
+            <a:off x="4136809" y="2816861"/>
             <a:ext cx="5422900" cy="1200329"/>
           </a:xfrm>
           <a:prstGeom prst="rect">
@@ -6361,9 +6342,9 @@
           <p:nvPr/>
         </p:nvCxnSpPr>
         <p:spPr>
-          <a:xfrm flipH="1">
-            <a:off x="6204248" y="1984181"/>
-            <a:ext cx="1717703" cy="844289"/>
+          <a:xfrm flipH="1" flipV="1">
+            <a:off x="2286000" y="1314936"/>
+            <a:ext cx="1681993" cy="1987064"/>
           </a:xfrm>
           <a:prstGeom prst="straightConnector1">
             <a:avLst/>
@@ -6407,9 +6388,9 @@
           <p:nvPr/>
         </p:nvCxnSpPr>
         <p:spPr>
-          <a:xfrm flipH="1">
-            <a:off x="6664298" y="1984181"/>
-            <a:ext cx="1257653" cy="1812906"/>
+          <a:xfrm flipH="1" flipV="1">
+            <a:off x="251670" y="2249744"/>
+            <a:ext cx="3716323" cy="1052256"/>
           </a:xfrm>
           <a:prstGeom prst="straightConnector1">
             <a:avLst/>
@@ -7519,6 +7500,36 @@
           </a:prstGeom>
         </p:spPr>
       </p:pic>
+      <p:pic>
+        <p:nvPicPr>
+          <p:cNvPr id="2" name="Picture 1">
+            <a:extLst>
+              <a:ext uri="{FF2B5EF4-FFF2-40B4-BE49-F238E27FC236}">
+                <a16:creationId xmlns:a16="http://schemas.microsoft.com/office/drawing/2014/main" id="{341865AB-FFA4-460D-B8B8-51ABC0687D2E}"/>
+              </a:ext>
+            </a:extLst>
+          </p:cNvPr>
+          <p:cNvPicPr>
+            <a:picLocks noChangeAspect="1"/>
+          </p:cNvPicPr>
+          <p:nvPr/>
+        </p:nvPicPr>
+        <p:blipFill>
+          <a:blip r:embed="rId4"/>
+          <a:stretch>
+            <a:fillRect/>
+          </a:stretch>
+        </p:blipFill>
+        <p:spPr>
+          <a:xfrm>
+            <a:off x="0" y="0"/>
+            <a:ext cx="12192000" cy="6604000"/>
+          </a:xfrm>
+          <a:prstGeom prst="rect">
+            <a:avLst/>
+          </a:prstGeom>
+        </p:spPr>
+      </p:pic>
       <p:sp>
         <p:nvSpPr>
           <p:cNvPr id="6" name="TextBox 5">
@@ -7533,8 +7544,8 @@
         </p:nvSpPr>
         <p:spPr>
           <a:xfrm>
-            <a:off x="2004969" y="662730"/>
-            <a:ext cx="8210902" cy="461665"/>
+            <a:off x="3912999" y="3059221"/>
+            <a:ext cx="4366001" cy="830997"/>
           </a:xfrm>
           <a:prstGeom prst="rect">
             <a:avLst/>
@@ -7547,7 +7558,7 @@
           </a:solidFill>
         </p:spPr>
         <p:txBody>
-          <a:bodyPr wrap="none" rtlCol="0">
+          <a:bodyPr wrap="square" rtlCol="0">
             <a:spAutoFit/>
           </a:bodyPr>
           <a:lstStyle/>
@@ -7580,7 +7591,7 @@
         </p:nvSpPr>
         <p:spPr>
           <a:xfrm>
-            <a:off x="6439490" y="3707934"/>
+            <a:off x="4316605" y="4639112"/>
             <a:ext cx="3615655" cy="461665"/>
           </a:xfrm>
           <a:prstGeom prst="rect">
@@ -7640,8 +7651,8 @@
         </p:nvCxnSpPr>
         <p:spPr>
           <a:xfrm flipH="1">
-            <a:off x="2910980" y="4018327"/>
-            <a:ext cx="3355596" cy="243280"/>
+            <a:off x="1342239" y="4974672"/>
+            <a:ext cx="2650922" cy="1241570"/>
           </a:xfrm>
           <a:prstGeom prst="straightConnector1">
             <a:avLst/>
@@ -7771,6 +7782,36 @@
           </a:prstGeom>
         </p:spPr>
       </p:pic>
+      <p:pic>
+        <p:nvPicPr>
+          <p:cNvPr id="2" name="Picture 1">
+            <a:extLst>
+              <a:ext uri="{FF2B5EF4-FFF2-40B4-BE49-F238E27FC236}">
+                <a16:creationId xmlns:a16="http://schemas.microsoft.com/office/drawing/2014/main" id="{C7E67FBB-1BB9-440C-99FD-48B8EE77B25F}"/>
+              </a:ext>
+            </a:extLst>
+          </p:cNvPr>
+          <p:cNvPicPr>
+            <a:picLocks noChangeAspect="1"/>
+          </p:cNvPicPr>
+          <p:nvPr/>
+        </p:nvPicPr>
+        <p:blipFill>
+          <a:blip r:embed="rId4"/>
+          <a:stretch>
+            <a:fillRect/>
+          </a:stretch>
+        </p:blipFill>
+        <p:spPr>
+          <a:xfrm>
+            <a:off x="0" y="-22364"/>
+            <a:ext cx="12192000" cy="6604000"/>
+          </a:xfrm>
+          <a:prstGeom prst="rect">
+            <a:avLst/>
+          </a:prstGeom>
+        </p:spPr>
+      </p:pic>
       <p:sp>
         <p:nvSpPr>
           <p:cNvPr id="6" name="TextBox 5">
@@ -7785,8 +7826,8 @@
         </p:nvSpPr>
         <p:spPr>
           <a:xfrm>
-            <a:off x="350819" y="1102732"/>
-            <a:ext cx="6378669" cy="461665"/>
+            <a:off x="3540153" y="1067431"/>
+            <a:ext cx="4443488" cy="830997"/>
           </a:xfrm>
           <a:prstGeom prst="rect">
             <a:avLst/>
@@ -7799,7 +7840,7 @@
           </a:solidFill>
         </p:spPr>
         <p:txBody>
-          <a:bodyPr wrap="none" rtlCol="0">
+          <a:bodyPr wrap="square" rtlCol="0">
             <a:spAutoFit/>
           </a:bodyPr>
           <a:lstStyle/>
@@ -7898,8 +7939,8 @@
         </p:nvSpPr>
         <p:spPr>
           <a:xfrm>
-            <a:off x="4056900" y="4508164"/>
-            <a:ext cx="3714990" cy="1569660"/>
+            <a:off x="3540153" y="2494806"/>
+            <a:ext cx="4443488" cy="2308324"/>
           </a:xfrm>
           <a:prstGeom prst="rect">
             <a:avLst/>
@@ -7926,7 +7967,7 @@
                 </a:solidFill>
                 <a:latin typeface="Montserrat" panose="00000500000000000000" pitchFamily="2" charset="0"/>
               </a:rPr>
-              <a:t>Note that this box only goes up to 12 hours so just split up the time as above</a:t>
+              <a:t>Note that this box only goes up to 12 hours. So if you have over 12 hours of extra time you might have more than one extra shift to describe it</a:t>
             </a:r>
           </a:p>
         </p:txBody>
@@ -7946,9 +7987,9 @@
           <p:nvPr/>
         </p:nvCxnSpPr>
         <p:spPr>
-          <a:xfrm flipH="1">
-            <a:off x="3020037" y="1711354"/>
-            <a:ext cx="310392" cy="1041763"/>
+          <a:xfrm flipH="1" flipV="1">
+            <a:off x="1694577" y="964734"/>
+            <a:ext cx="1644241" cy="518195"/>
           </a:xfrm>
           <a:prstGeom prst="straightConnector1">
             <a:avLst/>
@@ -7993,8 +8034,8 @@
         </p:nvCxnSpPr>
         <p:spPr>
           <a:xfrm flipH="1" flipV="1">
-            <a:off x="3540153" y="3238150"/>
-            <a:ext cx="2105638" cy="1182848"/>
+            <a:off x="1551963" y="1792144"/>
+            <a:ext cx="1786855" cy="1211115"/>
           </a:xfrm>
           <a:prstGeom prst="straightConnector1">
             <a:avLst/>
@@ -8124,6 +8165,36 @@
           </a:prstGeom>
         </p:spPr>
       </p:pic>
+      <p:pic>
+        <p:nvPicPr>
+          <p:cNvPr id="2" name="Picture 1">
+            <a:extLst>
+              <a:ext uri="{FF2B5EF4-FFF2-40B4-BE49-F238E27FC236}">
+                <a16:creationId xmlns:a16="http://schemas.microsoft.com/office/drawing/2014/main" id="{DA2B49C8-3C58-4574-B7BE-33E4BDDFA2B9}"/>
+              </a:ext>
+            </a:extLst>
+          </p:cNvPr>
+          <p:cNvPicPr>
+            <a:picLocks noChangeAspect="1"/>
+          </p:cNvPicPr>
+          <p:nvPr/>
+        </p:nvPicPr>
+        <p:blipFill>
+          <a:blip r:embed="rId4"/>
+          <a:stretch>
+            <a:fillRect/>
+          </a:stretch>
+        </p:blipFill>
+        <p:spPr>
+          <a:xfrm>
+            <a:off x="0" y="0"/>
+            <a:ext cx="12192000" cy="6604000"/>
+          </a:xfrm>
+          <a:prstGeom prst="rect">
+            <a:avLst/>
+          </a:prstGeom>
+        </p:spPr>
+      </p:pic>
       <p:sp>
         <p:nvSpPr>
           <p:cNvPr id="6" name="TextBox 5">
@@ -8138,7 +8209,7 @@
         </p:nvSpPr>
         <p:spPr>
           <a:xfrm>
-            <a:off x="729842" y="838899"/>
+            <a:off x="3913934" y="1439757"/>
             <a:ext cx="4420998" cy="1200329"/>
           </a:xfrm>
           <a:prstGeom prst="rect">
@@ -8207,7 +8278,7 @@
         </p:nvSpPr>
         <p:spPr>
           <a:xfrm>
-            <a:off x="3191649" y="5139664"/>
+            <a:off x="8510269" y="5047656"/>
             <a:ext cx="1959191" cy="461665"/>
           </a:xfrm>
           <a:prstGeom prst="rect">
@@ -8266,9 +8337,9 @@
           <p:nvPr/>
         </p:nvCxnSpPr>
         <p:spPr>
-          <a:xfrm flipV="1">
-            <a:off x="5257795" y="4521666"/>
-            <a:ext cx="1570844" cy="848830"/>
+          <a:xfrm>
+            <a:off x="10621156" y="5613776"/>
+            <a:ext cx="376811" cy="459853"/>
           </a:xfrm>
           <a:prstGeom prst="straightConnector1">
             <a:avLst/>
@@ -8311,8 +8382,8 @@
         </p:nvSpPr>
         <p:spPr>
           <a:xfrm>
-            <a:off x="7348756" y="802058"/>
-            <a:ext cx="3464653" cy="830997"/>
+            <a:off x="3913934" y="3058877"/>
+            <a:ext cx="4420998" cy="830997"/>
           </a:xfrm>
           <a:prstGeom prst="rect">
             <a:avLst/>
@@ -8359,9 +8430,9 @@
           <p:nvPr/>
         </p:nvCxnSpPr>
         <p:spPr>
-          <a:xfrm flipH="1">
-            <a:off x="6706998" y="1739881"/>
-            <a:ext cx="2260834" cy="2119055"/>
+          <a:xfrm flipH="1" flipV="1">
+            <a:off x="1266738" y="1188720"/>
+            <a:ext cx="2474752" cy="2242377"/>
           </a:xfrm>
           <a:prstGeom prst="straightConnector1">
             <a:avLst/>
@@ -8405,9 +8476,55 @@
           <p:nvPr/>
         </p:nvCxnSpPr>
         <p:spPr>
-          <a:xfrm flipH="1">
-            <a:off x="6187000" y="1719744"/>
-            <a:ext cx="2780832" cy="1325460"/>
+          <a:xfrm flipH="1" flipV="1">
+            <a:off x="276837" y="2457974"/>
+            <a:ext cx="3464653" cy="973123"/>
+          </a:xfrm>
+          <a:prstGeom prst="straightConnector1">
+            <a:avLst/>
+          </a:prstGeom>
+          <a:ln w="76200">
+            <a:solidFill>
+              <a:schemeClr val="tx2">
+                <a:lumMod val="75000"/>
+              </a:schemeClr>
+            </a:solidFill>
+            <a:tailEnd type="triangle"/>
+          </a:ln>
+        </p:spPr>
+        <p:style>
+          <a:lnRef idx="1">
+            <a:schemeClr val="accent1"/>
+          </a:lnRef>
+          <a:fillRef idx="0">
+            <a:schemeClr val="accent1"/>
+          </a:fillRef>
+          <a:effectRef idx="0">
+            <a:schemeClr val="accent1"/>
+          </a:effectRef>
+          <a:fontRef idx="minor">
+            <a:schemeClr val="tx1"/>
+          </a:fontRef>
+        </p:style>
+      </p:cxnSp>
+      <p:cxnSp>
+        <p:nvCxnSpPr>
+          <p:cNvPr id="19" name="Straight Arrow Connector 18">
+            <a:extLst>
+              <a:ext uri="{FF2B5EF4-FFF2-40B4-BE49-F238E27FC236}">
+                <a16:creationId xmlns:a16="http://schemas.microsoft.com/office/drawing/2014/main" id="{EEAAAEE2-87BC-4DE6-B028-0691F482B4C2}"/>
+              </a:ext>
+            </a:extLst>
+          </p:cNvPr>
+          <p:cNvCxnSpPr>
+            <a:cxnSpLocks/>
+          </p:cNvCxnSpPr>
+          <p:nvPr/>
+        </p:nvCxnSpPr>
+        <p:spPr>
+          <a:xfrm flipH="1" flipV="1">
+            <a:off x="2590336" y="1231999"/>
+            <a:ext cx="1251822" cy="807922"/>
           </a:xfrm>
           <a:prstGeom prst="straightConnector1">
             <a:avLst/>
@@ -9443,6 +9560,36 @@
           </a:prstGeom>
         </p:spPr>
       </p:pic>
+      <p:pic>
+        <p:nvPicPr>
+          <p:cNvPr id="2" name="Picture 1">
+            <a:extLst>
+              <a:ext uri="{FF2B5EF4-FFF2-40B4-BE49-F238E27FC236}">
+                <a16:creationId xmlns:a16="http://schemas.microsoft.com/office/drawing/2014/main" id="{A3F70CBC-A10B-406A-B360-C330D9CF6461}"/>
+              </a:ext>
+            </a:extLst>
+          </p:cNvPr>
+          <p:cNvPicPr>
+            <a:picLocks noChangeAspect="1"/>
+          </p:cNvPicPr>
+          <p:nvPr/>
+        </p:nvPicPr>
+        <p:blipFill>
+          <a:blip r:embed="rId4"/>
+          <a:stretch>
+            <a:fillRect/>
+          </a:stretch>
+        </p:blipFill>
+        <p:spPr>
+          <a:xfrm>
+            <a:off x="0" y="0"/>
+            <a:ext cx="12192000" cy="6604000"/>
+          </a:xfrm>
+          <a:prstGeom prst="rect">
+            <a:avLst/>
+          </a:prstGeom>
+        </p:spPr>
+      </p:pic>
       <p:sp>
         <p:nvSpPr>
           <p:cNvPr id="15" name="TextBox 14">
@@ -9457,8 +9604,8 @@
         </p:nvSpPr>
         <p:spPr>
           <a:xfrm>
-            <a:off x="3898900" y="609600"/>
-            <a:ext cx="4261103" cy="461665"/>
+            <a:off x="4001643" y="2589402"/>
+            <a:ext cx="4519186" cy="461665"/>
           </a:xfrm>
           <a:prstGeom prst="rect">
             <a:avLst/>
@@ -9485,7 +9632,7 @@
                 </a:solidFill>
                 <a:latin typeface="Montserrat" panose="00000500000000000000" pitchFamily="2" charset="0"/>
               </a:rPr>
-              <a:t>This is a Electron time card</a:t>
+              <a:t>This is a Electronic time card</a:t>
             </a:r>
           </a:p>
         </p:txBody>
@@ -9550,7 +9697,7 @@
         </p:blipFill>
         <p:spPr>
           <a:xfrm>
-            <a:off x="2286000" y="1188720"/>
+            <a:off x="2368550" y="1112153"/>
             <a:ext cx="7658100" cy="4572000"/>
           </a:xfrm>
         </p:spPr>
@@ -9591,61 +9738,36 @@
           </a:prstGeom>
         </p:spPr>
       </p:pic>
-      <p:sp>
-        <p:nvSpPr>
-          <p:cNvPr id="6" name="Rectangle: Rounded Corners 5">
-            <a:extLst>
-              <a:ext uri="{FF2B5EF4-FFF2-40B4-BE49-F238E27FC236}">
-                <a16:creationId xmlns:a16="http://schemas.microsoft.com/office/drawing/2014/main" id="{6FB64AE0-CA3B-4B93-B4E2-F6235C12FF1C}"/>
-              </a:ext>
-            </a:extLst>
-          </p:cNvPr>
-          <p:cNvSpPr/>
-          <p:nvPr/>
-        </p:nvSpPr>
-        <p:spPr>
-          <a:xfrm>
-            <a:off x="2567265" y="2239860"/>
-            <a:ext cx="3630335" cy="1937857"/>
-          </a:xfrm>
-          <a:prstGeom prst="roundRect">
-            <a:avLst/>
-          </a:prstGeom>
-          <a:noFill/>
-          <a:ln w="76200">
-            <a:solidFill>
-              <a:schemeClr val="accent6">
-                <a:lumMod val="60000"/>
-                <a:lumOff val="40000"/>
-              </a:schemeClr>
-            </a:solidFill>
-          </a:ln>
-        </p:spPr>
-        <p:style>
-          <a:lnRef idx="2">
-            <a:schemeClr val="accent1">
-              <a:shade val="50000"/>
-            </a:schemeClr>
-          </a:lnRef>
-          <a:fillRef idx="1">
-            <a:schemeClr val="accent1"/>
-          </a:fillRef>
-          <a:effectRef idx="0">
-            <a:schemeClr val="accent1"/>
-          </a:effectRef>
-          <a:fontRef idx="minor">
-            <a:schemeClr val="lt1"/>
-          </a:fontRef>
-        </p:style>
-        <p:txBody>
-          <a:bodyPr rtlCol="0" anchor="ctr"/>
-          <a:lstStyle/>
-          <a:p>
-            <a:pPr algn="ctr"/>
-            <a:endParaRPr lang="en-US"/>
-          </a:p>
-        </p:txBody>
-      </p:sp>
+      <p:pic>
+        <p:nvPicPr>
+          <p:cNvPr id="2" name="Picture 1">
+            <a:extLst>
+              <a:ext uri="{FF2B5EF4-FFF2-40B4-BE49-F238E27FC236}">
+                <a16:creationId xmlns:a16="http://schemas.microsoft.com/office/drawing/2014/main" id="{BA6F6F14-4FF3-45F9-9CA2-4F43377FA0AF}"/>
+              </a:ext>
+            </a:extLst>
+          </p:cNvPr>
+          <p:cNvPicPr>
+            <a:picLocks noChangeAspect="1"/>
+          </p:cNvPicPr>
+          <p:nvPr/>
+        </p:nvPicPr>
+        <p:blipFill>
+          <a:blip r:embed="rId4"/>
+          <a:stretch>
+            <a:fillRect/>
+          </a:stretch>
+        </p:blipFill>
+        <p:spPr>
+          <a:xfrm>
+            <a:off x="0" y="13774"/>
+            <a:ext cx="12192000" cy="6604000"/>
+          </a:xfrm>
+          <a:prstGeom prst="rect">
+            <a:avLst/>
+          </a:prstGeom>
+        </p:spPr>
+      </p:pic>
       <p:sp>
         <p:nvSpPr>
           <p:cNvPr id="7" name="TextBox 6">
@@ -9660,7 +9782,7 @@
         </p:nvSpPr>
         <p:spPr>
           <a:xfrm>
-            <a:off x="6738126" y="627757"/>
+            <a:off x="4203593" y="474303"/>
             <a:ext cx="4246675" cy="1569660"/>
           </a:xfrm>
           <a:prstGeom prst="rect">
@@ -9780,9 +9902,9 @@
           <p:nvPr/>
         </p:nvCxnSpPr>
         <p:spPr>
-          <a:xfrm flipH="1">
-            <a:off x="4382432" y="3132472"/>
-            <a:ext cx="2355694" cy="419100"/>
+          <a:xfrm flipH="1" flipV="1">
+            <a:off x="2709644" y="847288"/>
+            <a:ext cx="1291906" cy="201337"/>
           </a:xfrm>
           <a:prstGeom prst="straightConnector1">
             <a:avLst/>
@@ -9825,8 +9947,8 @@
         </p:nvSpPr>
         <p:spPr>
           <a:xfrm>
-            <a:off x="6998336" y="2643723"/>
-            <a:ext cx="3429646" cy="830997"/>
+            <a:off x="4203592" y="2550306"/>
+            <a:ext cx="4246675" cy="830997"/>
           </a:xfrm>
           <a:prstGeom prst="rect">
             <a:avLst/>
@@ -9895,9 +10017,9 @@
           <p:nvPr/>
         </p:nvCxnSpPr>
         <p:spPr>
-          <a:xfrm flipH="1" flipV="1">
-            <a:off x="2642532" y="4546834"/>
-            <a:ext cx="461395" cy="481309"/>
+          <a:xfrm flipH="1">
+            <a:off x="1325462" y="4303144"/>
+            <a:ext cx="2676088" cy="1890408"/>
           </a:xfrm>
           <a:prstGeom prst="straightConnector1">
             <a:avLst/>
@@ -9940,8 +10062,8 @@
         </p:nvSpPr>
         <p:spPr>
           <a:xfrm>
-            <a:off x="3400347" y="4929723"/>
-            <a:ext cx="3429000" cy="830997"/>
+            <a:off x="4203591" y="3887646"/>
+            <a:ext cx="4246675" cy="830997"/>
           </a:xfrm>
           <a:prstGeom prst="rect">
             <a:avLst/>
@@ -9995,6 +10117,52 @@
           </a:p>
         </p:txBody>
       </p:sp>
+      <p:cxnSp>
+        <p:nvCxnSpPr>
+          <p:cNvPr id="18" name="Straight Arrow Connector 17">
+            <a:extLst>
+              <a:ext uri="{FF2B5EF4-FFF2-40B4-BE49-F238E27FC236}">
+                <a16:creationId xmlns:a16="http://schemas.microsoft.com/office/drawing/2014/main" id="{AC54E01D-F75C-4289-B74C-750C94077A9C}"/>
+              </a:ext>
+            </a:extLst>
+          </p:cNvPr>
+          <p:cNvCxnSpPr>
+            <a:cxnSpLocks/>
+          </p:cNvCxnSpPr>
+          <p:nvPr/>
+        </p:nvCxnSpPr>
+        <p:spPr>
+          <a:xfrm flipV="1">
+            <a:off x="8652310" y="1426128"/>
+            <a:ext cx="1968152" cy="1539677"/>
+          </a:xfrm>
+          <a:prstGeom prst="straightConnector1">
+            <a:avLst/>
+          </a:prstGeom>
+          <a:ln w="76200">
+            <a:solidFill>
+              <a:schemeClr val="tx2">
+                <a:lumMod val="75000"/>
+              </a:schemeClr>
+            </a:solidFill>
+            <a:tailEnd type="triangle"/>
+          </a:ln>
+        </p:spPr>
+        <p:style>
+          <a:lnRef idx="1">
+            <a:schemeClr val="accent1"/>
+          </a:lnRef>
+          <a:fillRef idx="0">
+            <a:schemeClr val="accent1"/>
+          </a:fillRef>
+          <a:effectRef idx="0">
+            <a:schemeClr val="accent1"/>
+          </a:effectRef>
+          <a:fontRef idx="minor">
+            <a:schemeClr val="tx1"/>
+          </a:fontRef>
+        </p:style>
+      </p:cxnSp>
     </p:spTree>
     <p:extLst>
       <p:ext uri="{BB962C8B-B14F-4D97-AF65-F5344CB8AC3E}">
@@ -10096,61 +10264,36 @@
           </a:prstGeom>
         </p:spPr>
       </p:pic>
-      <p:sp>
-        <p:nvSpPr>
-          <p:cNvPr id="6" name="Rectangle: Rounded Corners 5">
-            <a:extLst>
-              <a:ext uri="{FF2B5EF4-FFF2-40B4-BE49-F238E27FC236}">
-                <a16:creationId xmlns:a16="http://schemas.microsoft.com/office/drawing/2014/main" id="{C6B51BDD-8ECD-4001-AE41-8D76FBC4439E}"/>
-              </a:ext>
-            </a:extLst>
-          </p:cNvPr>
-          <p:cNvSpPr/>
-          <p:nvPr/>
-        </p:nvSpPr>
-        <p:spPr>
-          <a:xfrm>
-            <a:off x="6090407" y="2265028"/>
-            <a:ext cx="3137484" cy="579772"/>
-          </a:xfrm>
-          <a:prstGeom prst="roundRect">
-            <a:avLst/>
-          </a:prstGeom>
-          <a:noFill/>
-          <a:ln w="76200">
-            <a:solidFill>
-              <a:schemeClr val="accent6">
-                <a:lumMod val="60000"/>
-                <a:lumOff val="40000"/>
-              </a:schemeClr>
-            </a:solidFill>
-          </a:ln>
-        </p:spPr>
-        <p:style>
-          <a:lnRef idx="2">
-            <a:schemeClr val="accent1">
-              <a:shade val="50000"/>
-            </a:schemeClr>
-          </a:lnRef>
-          <a:fillRef idx="1">
-            <a:schemeClr val="accent1"/>
-          </a:fillRef>
-          <a:effectRef idx="0">
-            <a:schemeClr val="accent1"/>
-          </a:effectRef>
-          <a:fontRef idx="minor">
-            <a:schemeClr val="lt1"/>
-          </a:fontRef>
-        </p:style>
-        <p:txBody>
-          <a:bodyPr rtlCol="0" anchor="ctr"/>
-          <a:lstStyle/>
-          <a:p>
-            <a:pPr algn="ctr"/>
-            <a:endParaRPr lang="en-US"/>
-          </a:p>
-        </p:txBody>
-      </p:sp>
+      <p:pic>
+        <p:nvPicPr>
+          <p:cNvPr id="2" name="Picture 1">
+            <a:extLst>
+              <a:ext uri="{FF2B5EF4-FFF2-40B4-BE49-F238E27FC236}">
+                <a16:creationId xmlns:a16="http://schemas.microsoft.com/office/drawing/2014/main" id="{C2C58D4D-BD2C-4446-8C4A-DE51ED07157B}"/>
+              </a:ext>
+            </a:extLst>
+          </p:cNvPr>
+          <p:cNvPicPr>
+            <a:picLocks noChangeAspect="1"/>
+          </p:cNvPicPr>
+          <p:nvPr/>
+        </p:nvPicPr>
+        <p:blipFill>
+          <a:blip r:embed="rId4"/>
+          <a:stretch>
+            <a:fillRect/>
+          </a:stretch>
+        </p:blipFill>
+        <p:spPr>
+          <a:xfrm>
+            <a:off x="-5593" y="0"/>
+            <a:ext cx="12192000" cy="6604000"/>
+          </a:xfrm>
+          <a:prstGeom prst="rect">
+            <a:avLst/>
+          </a:prstGeom>
+        </p:spPr>
+      </p:pic>
       <p:sp>
         <p:nvSpPr>
           <p:cNvPr id="7" name="TextBox 6">
@@ -10165,7 +10308,7 @@
         </p:nvSpPr>
         <p:spPr>
           <a:xfrm>
-            <a:off x="572520" y="588555"/>
+            <a:off x="4106818" y="1250595"/>
             <a:ext cx="4025901" cy="1200329"/>
           </a:xfrm>
           <a:prstGeom prst="rect">
@@ -10193,7 +10336,7 @@
                 </a:solidFill>
                 <a:latin typeface="Montserrat" panose="00000500000000000000" pitchFamily="2" charset="0"/>
               </a:rPr>
-              <a:t>Now the info that we added in the last slide is displayed on the right</a:t>
+              <a:t>Now the info that we added in the last slide is displayed in the table</a:t>
             </a:r>
           </a:p>
         </p:txBody>
@@ -10213,9 +10356,9 @@
           <p:nvPr/>
         </p:nvCxnSpPr>
         <p:spPr>
-          <a:xfrm>
-            <a:off x="4794760" y="1510018"/>
-            <a:ext cx="1111090" cy="654342"/>
+          <a:xfrm flipH="1" flipV="1">
+            <a:off x="3296873" y="1728132"/>
+            <a:ext cx="629176" cy="226503"/>
           </a:xfrm>
           <a:prstGeom prst="straightConnector1">
             <a:avLst/>
@@ -10244,61 +10387,6 @@
           </a:fontRef>
         </p:style>
       </p:cxnSp>
-      <p:sp>
-        <p:nvSpPr>
-          <p:cNvPr id="10" name="Rectangle: Rounded Corners 9">
-            <a:extLst>
-              <a:ext uri="{FF2B5EF4-FFF2-40B4-BE49-F238E27FC236}">
-                <a16:creationId xmlns:a16="http://schemas.microsoft.com/office/drawing/2014/main" id="{3B688A1E-5597-49DE-90EE-905753B10A3B}"/>
-              </a:ext>
-            </a:extLst>
-          </p:cNvPr>
-          <p:cNvSpPr/>
-          <p:nvPr/>
-        </p:nvSpPr>
-        <p:spPr>
-          <a:xfrm>
-            <a:off x="2286000" y="4020425"/>
-            <a:ext cx="532701" cy="501241"/>
-          </a:xfrm>
-          <a:prstGeom prst="roundRect">
-            <a:avLst/>
-          </a:prstGeom>
-          <a:noFill/>
-          <a:ln w="76200">
-            <a:solidFill>
-              <a:schemeClr val="accent6">
-                <a:lumMod val="60000"/>
-                <a:lumOff val="40000"/>
-              </a:schemeClr>
-            </a:solidFill>
-          </a:ln>
-        </p:spPr>
-        <p:style>
-          <a:lnRef idx="2">
-            <a:schemeClr val="accent1">
-              <a:shade val="50000"/>
-            </a:schemeClr>
-          </a:lnRef>
-          <a:fillRef idx="1">
-            <a:schemeClr val="accent1"/>
-          </a:fillRef>
-          <a:effectRef idx="0">
-            <a:schemeClr val="accent1"/>
-          </a:effectRef>
-          <a:fontRef idx="minor">
-            <a:schemeClr val="lt1"/>
-          </a:fontRef>
-        </p:style>
-        <p:txBody>
-          <a:bodyPr rtlCol="0" anchor="ctr"/>
-          <a:lstStyle/>
-          <a:p>
-            <a:pPr algn="ctr"/>
-            <a:endParaRPr lang="en-US"/>
-          </a:p>
-        </p:txBody>
-      </p:sp>
       <p:cxnSp>
         <p:nvCxnSpPr>
           <p:cNvPr id="12" name="Straight Arrow Connector 11">
@@ -10315,8 +10403,8 @@
         </p:nvCxnSpPr>
         <p:spPr>
           <a:xfrm flipH="1">
-            <a:off x="2596451" y="3426712"/>
-            <a:ext cx="222250" cy="393499"/>
+            <a:off x="1342240" y="4924338"/>
+            <a:ext cx="2583808" cy="1115735"/>
           </a:xfrm>
           <a:prstGeom prst="straightConnector1">
             <a:avLst/>
@@ -10359,8 +10447,8 @@
         </p:nvSpPr>
         <p:spPr>
           <a:xfrm>
-            <a:off x="571500" y="2389049"/>
-            <a:ext cx="3429000" cy="830997"/>
+            <a:off x="4106818" y="4436558"/>
+            <a:ext cx="4025902" cy="830997"/>
           </a:xfrm>
           <a:prstGeom prst="rect">
             <a:avLst/>
@@ -10448,8 +10536,8 @@
         </p:nvSpPr>
         <p:spPr>
           <a:xfrm>
-            <a:off x="6861287" y="4083903"/>
-            <a:ext cx="3987800" cy="830997"/>
+            <a:off x="4106818" y="2977645"/>
+            <a:ext cx="4021940" cy="830997"/>
           </a:xfrm>
           <a:prstGeom prst="rect">
             <a:avLst/>
@@ -10593,6 +10681,36 @@
           </a:prstGeom>
         </p:spPr>
       </p:pic>
+      <p:pic>
+        <p:nvPicPr>
+          <p:cNvPr id="2" name="Picture 1">
+            <a:extLst>
+              <a:ext uri="{FF2B5EF4-FFF2-40B4-BE49-F238E27FC236}">
+                <a16:creationId xmlns:a16="http://schemas.microsoft.com/office/drawing/2014/main" id="{832F3E42-21C1-49DD-99D3-CB35D9B81EE2}"/>
+              </a:ext>
+            </a:extLst>
+          </p:cNvPr>
+          <p:cNvPicPr>
+            <a:picLocks noChangeAspect="1"/>
+          </p:cNvPicPr>
+          <p:nvPr/>
+        </p:nvPicPr>
+        <p:blipFill>
+          <a:blip r:embed="rId4"/>
+          <a:stretch>
+            <a:fillRect/>
+          </a:stretch>
+        </p:blipFill>
+        <p:spPr>
+          <a:xfrm>
+            <a:off x="0" y="-42877"/>
+            <a:ext cx="12192000" cy="6604000"/>
+          </a:xfrm>
+          <a:prstGeom prst="rect">
+            <a:avLst/>
+          </a:prstGeom>
+        </p:spPr>
+      </p:pic>
       <p:sp>
         <p:nvSpPr>
           <p:cNvPr id="6" name="TextBox 5">
@@ -10607,8 +10725,8 @@
         </p:nvSpPr>
         <p:spPr>
           <a:xfrm>
-            <a:off x="736601" y="718820"/>
-            <a:ext cx="3987800" cy="830997"/>
+            <a:off x="3639191" y="460681"/>
+            <a:ext cx="4145791" cy="830997"/>
           </a:xfrm>
           <a:prstGeom prst="rect">
             <a:avLst/>
@@ -10665,8 +10783,8 @@
         </p:nvSpPr>
         <p:spPr>
           <a:xfrm>
-            <a:off x="736601" y="1777637"/>
-            <a:ext cx="4477156" cy="830997"/>
+            <a:off x="3639192" y="1690828"/>
+            <a:ext cx="4145791" cy="830997"/>
           </a:xfrm>
           <a:prstGeom prst="rect">
             <a:avLst/>
@@ -10712,8 +10830,8 @@
         </p:nvSpPr>
         <p:spPr>
           <a:xfrm>
-            <a:off x="8534400" y="3064748"/>
-            <a:ext cx="2438399" cy="1200329"/>
+            <a:off x="3639191" y="2940943"/>
+            <a:ext cx="4145791" cy="830997"/>
           </a:xfrm>
           <a:prstGeom prst="rect">
             <a:avLst/>
@@ -10759,8 +10877,8 @@
         </p:nvSpPr>
         <p:spPr>
           <a:xfrm>
-            <a:off x="8534400" y="4597400"/>
-            <a:ext cx="2438399" cy="830997"/>
+            <a:off x="3639191" y="4261840"/>
+            <a:ext cx="4145791" cy="461665"/>
           </a:xfrm>
           <a:prstGeom prst="rect">
             <a:avLst/>
@@ -10829,9 +10947,9 @@
           <p:nvPr/>
         </p:nvCxnSpPr>
         <p:spPr>
-          <a:xfrm flipH="1" flipV="1">
-            <a:off x="5335398" y="3699545"/>
-            <a:ext cx="2830702" cy="1316956"/>
+          <a:xfrm flipV="1">
+            <a:off x="7952763" y="1334555"/>
+            <a:ext cx="3691156" cy="3170333"/>
           </a:xfrm>
           <a:prstGeom prst="straightConnector1">
             <a:avLst/>
@@ -10876,8 +10994,8 @@
         </p:nvCxnSpPr>
         <p:spPr>
           <a:xfrm flipH="1" flipV="1">
-            <a:off x="7113864" y="2818702"/>
-            <a:ext cx="1224793" cy="880843"/>
+            <a:off x="1402720" y="1870745"/>
+            <a:ext cx="1952876" cy="1451296"/>
           </a:xfrm>
           <a:prstGeom prst="straightConnector1">
             <a:avLst/>
